--- a/Lung_segmentation.pptx
+++ b/Lung_segmentation.pptx
@@ -5,10 +5,10 @@
     <p:sldMasterId id="2147483828" r:id="rId1"/>
   </p:sldMasterIdLst>
   <p:notesMasterIdLst>
-    <p:notesMasterId r:id="rId13"/>
+    <p:notesMasterId r:id="rId14"/>
   </p:notesMasterIdLst>
   <p:handoutMasterIdLst>
-    <p:handoutMasterId r:id="rId14"/>
+    <p:handoutMasterId r:id="rId15"/>
   </p:handoutMasterIdLst>
   <p:sldIdLst>
     <p:sldId id="256" r:id="rId2"/>
@@ -16,12 +16,13 @@
     <p:sldId id="359" r:id="rId4"/>
     <p:sldId id="360" r:id="rId5"/>
     <p:sldId id="361" r:id="rId6"/>
-    <p:sldId id="365" r:id="rId7"/>
-    <p:sldId id="362" r:id="rId8"/>
-    <p:sldId id="366" r:id="rId9"/>
-    <p:sldId id="363" r:id="rId10"/>
-    <p:sldId id="364" r:id="rId11"/>
-    <p:sldId id="367" r:id="rId12"/>
+    <p:sldId id="368" r:id="rId7"/>
+    <p:sldId id="365" r:id="rId8"/>
+    <p:sldId id="362" r:id="rId9"/>
+    <p:sldId id="366" r:id="rId10"/>
+    <p:sldId id="363" r:id="rId11"/>
+    <p:sldId id="364" r:id="rId12"/>
+    <p:sldId id="367" r:id="rId13"/>
   </p:sldIdLst>
   <p:sldSz cx="9144000" cy="6858000" type="screen4x3"/>
   <p:notesSz cx="6858000" cy="9144000"/>
@@ -222,7 +223,7 @@
             <a:fld id="{301AB4B1-3FDA-4640-86FF-C08F3A3E4071}" type="datetimeFigureOut">
               <a:rPr lang="ru-RU" smtClean="0"/>
               <a:pPr/>
-              <a:t>14.12.2019</a:t>
+              <a:t>15.12.2019</a:t>
             </a:fld>
             <a:endParaRPr lang="ru-RU"/>
           </a:p>
@@ -390,7 +391,7 @@
             <a:fld id="{BF30F7D1-18EA-43EB-A461-05709A2C731C}" type="datetimeFigureOut">
               <a:rPr lang="ru-RU" smtClean="0"/>
               <a:pPr/>
-              <a:t>14.12.2019</a:t>
+              <a:t>15.12.2019</a:t>
             </a:fld>
             <a:endParaRPr lang="ru-RU"/>
           </a:p>
@@ -951,7 +952,7 @@
             <a:fld id="{810B522C-B91E-40E2-8895-518C0501F672}" type="datetime1">
               <a:rPr lang="ru-RU" smtClean="0"/>
               <a:pPr/>
-              <a:t>14.12.2019</a:t>
+              <a:t>15.12.2019</a:t>
             </a:fld>
             <a:endParaRPr lang="ru-RU" dirty="0"/>
           </a:p>
@@ -1520,7 +1521,7 @@
             <a:fld id="{0C5FAAE0-429A-4789-8C99-ECF6322A717D}" type="datetime1">
               <a:rPr lang="ru-RU" smtClean="0"/>
               <a:pPr/>
-              <a:t>14.12.2019</a:t>
+              <a:t>15.12.2019</a:t>
             </a:fld>
             <a:endParaRPr lang="ru-RU"/>
           </a:p>
@@ -1848,7 +1849,7 @@
             <a:fld id="{046447DE-9578-4211-B808-477F96AFC87D}" type="datetime1">
               <a:rPr lang="ru-RU" smtClean="0"/>
               <a:pPr/>
-              <a:t>14.12.2019</a:t>
+              <a:t>15.12.2019</a:t>
             </a:fld>
             <a:endParaRPr lang="ru-RU"/>
           </a:p>
@@ -2048,7 +2049,7 @@
             <a:fld id="{0C5FAAE0-429A-4789-8C99-ECF6322A717D}" type="datetime1">
               <a:rPr lang="ru-RU" smtClean="0"/>
               <a:pPr/>
-              <a:t>14.12.2019</a:t>
+              <a:t>15.12.2019</a:t>
             </a:fld>
             <a:endParaRPr lang="ru-RU"/>
           </a:p>
@@ -2230,7 +2231,7 @@
             <a:fld id="{0C5FAAE0-429A-4789-8C99-ECF6322A717D}" type="datetime1">
               <a:rPr lang="ru-RU" smtClean="0"/>
               <a:pPr/>
-              <a:t>14.12.2019</a:t>
+              <a:t>15.12.2019</a:t>
             </a:fld>
             <a:endParaRPr lang="ru-RU"/>
           </a:p>
@@ -2555,7 +2556,7 @@
             <a:fld id="{0C5FAAE0-429A-4789-8C99-ECF6322A717D}" type="datetime1">
               <a:rPr lang="ru-RU" smtClean="0"/>
               <a:pPr/>
-              <a:t>14.12.2019</a:t>
+              <a:t>15.12.2019</a:t>
             </a:fld>
             <a:endParaRPr lang="ru-RU"/>
           </a:p>
@@ -2736,7 +2737,7 @@
             <a:fld id="{756B3831-2EFA-45AA-A3DF-2EF35B665B57}" type="datetime1">
               <a:rPr lang="ru-RU" smtClean="0"/>
               <a:pPr/>
-              <a:t>14.12.2019</a:t>
+              <a:t>15.12.2019</a:t>
             </a:fld>
             <a:endParaRPr lang="ru-RU"/>
           </a:p>
@@ -3100,7 +3101,7 @@
             <a:fld id="{C650A8B5-05ED-431A-89D0-4BEBF8B97387}" type="datetime1">
               <a:rPr lang="ru-RU" smtClean="0"/>
               <a:pPr/>
-              <a:t>14.12.2019</a:t>
+              <a:t>15.12.2019</a:t>
             </a:fld>
             <a:endParaRPr lang="ru-RU"/>
           </a:p>
@@ -3417,7 +3418,7 @@
             <a:fld id="{D4B2645C-C53D-4AC1-A3B0-747DB7FA1349}" type="datetime1">
               <a:rPr lang="ru-RU" smtClean="0"/>
               <a:pPr/>
-              <a:t>14.12.2019</a:t>
+              <a:t>15.12.2019</a:t>
             </a:fld>
             <a:endParaRPr lang="ru-RU"/>
           </a:p>
@@ -3839,7 +3840,7 @@
             <a:fld id="{0C5FAAE0-429A-4789-8C99-ECF6322A717D}" type="datetime1">
               <a:rPr lang="ru-RU" smtClean="0"/>
               <a:pPr/>
-              <a:t>14.12.2019</a:t>
+              <a:t>15.12.2019</a:t>
             </a:fld>
             <a:endParaRPr lang="ru-RU" dirty="0"/>
           </a:p>
@@ -4597,7 +4598,7 @@
       </p:grpSpPr>
       <p:sp>
         <p:nvSpPr>
-          <p:cNvPr id="3" name="Дата 2"/>
+          <p:cNvPr id="2" name="Дата 1"/>
           <p:cNvSpPr>
             <a:spLocks noGrp="1"/>
           </p:cNvSpPr>
@@ -4613,7 +4614,7 @@
             <a:fld id="{0C5FAAE0-429A-4789-8C99-ECF6322A717D}" type="datetime1">
               <a:rPr lang="ru-RU" smtClean="0"/>
               <a:pPr/>
-              <a:t>14.12.2019</a:t>
+              <a:t>15.12.2019</a:t>
             </a:fld>
             <a:endParaRPr lang="ru-RU"/>
           </a:p>
@@ -4621,7 +4622,7 @@
       </p:sp>
       <p:sp>
         <p:nvSpPr>
-          <p:cNvPr id="4" name="Нижний колонтитул 3"/>
+          <p:cNvPr id="3" name="Нижний колонтитул 2"/>
           <p:cNvSpPr>
             <a:spLocks noGrp="1"/>
           </p:cNvSpPr>
@@ -4650,7 +4651,7 @@
       </p:sp>
       <p:sp>
         <p:nvSpPr>
-          <p:cNvPr id="5" name="Номер слайда 4"/>
+          <p:cNvPr id="4" name="Номер слайда 3"/>
           <p:cNvSpPr>
             <a:spLocks noGrp="1"/>
           </p:cNvSpPr>
@@ -4674,15 +4675,20 @@
       </p:sp>
       <p:sp>
         <p:nvSpPr>
-          <p:cNvPr id="8" name="Заголовок 7"/>
-          <p:cNvSpPr>
-            <a:spLocks noGrp="1"/>
-          </p:cNvSpPr>
-          <p:nvPr>
-            <p:ph type="ctrTitle"/>
-          </p:nvPr>
-        </p:nvSpPr>
-        <p:spPr/>
+          <p:cNvPr id="7" name="Объект 6"/>
+          <p:cNvSpPr>
+            <a:spLocks noGrp="1"/>
+          </p:cNvSpPr>
+          <p:nvPr>
+            <p:ph sz="quarter" idx="1"/>
+          </p:nvPr>
+        </p:nvSpPr>
+        <p:spPr>
+          <a:xfrm>
+            <a:off x="460248" y="332656"/>
+            <a:ext cx="8229600" cy="769640"/>
+          </a:xfrm>
+        </p:spPr>
         <p:txBody>
           <a:bodyPr>
             <a:normAutofit/>
@@ -4690,21 +4696,41 @@
           <a:lstStyle/>
           <a:p>
             <a:r>
-              <a:rPr lang="ru-RU" dirty="0"/>
-              <a:t>Результаты </a:t>
-            </a:r>
-            <a:r>
               <a:rPr lang="ru-RU" dirty="0" smtClean="0"/>
-              <a:t>исследования</a:t>
-            </a:r>
-            <a:endParaRPr lang="ru-RU" dirty="0"/>
-          </a:p>
-        </p:txBody>
-      </p:sp>
+              <a:t>Обучение</a:t>
+            </a:r>
+            <a:endParaRPr lang="en-US" dirty="0"/>
+          </a:p>
+        </p:txBody>
+      </p:sp>
+      <p:pic>
+        <p:nvPicPr>
+          <p:cNvPr id="5" name="Рисунок 4"/>
+          <p:cNvPicPr>
+            <a:picLocks noChangeAspect="1"/>
+          </p:cNvPicPr>
+          <p:nvPr/>
+        </p:nvPicPr>
+        <p:blipFill>
+          <a:blip r:embed="rId2"/>
+          <a:stretch>
+            <a:fillRect/>
+          </a:stretch>
+        </p:blipFill>
+        <p:spPr>
+          <a:xfrm>
+            <a:off x="1331640" y="2060848"/>
+            <a:ext cx="5886450" cy="3067050"/>
+          </a:xfrm>
+          <a:prstGeom prst="rect">
+            <a:avLst/>
+          </a:prstGeom>
+        </p:spPr>
+      </p:pic>
     </p:spTree>
     <p:extLst>
       <p:ext uri="{BB962C8B-B14F-4D97-AF65-F5344CB8AC3E}">
-        <p14:creationId xmlns:p14="http://schemas.microsoft.com/office/powerpoint/2010/main" val="3532196823"/>
+        <p14:creationId xmlns:p14="http://schemas.microsoft.com/office/powerpoint/2010/main" val="2142908625"/>
       </p:ext>
     </p:extLst>
   </p:cSld>
@@ -4740,7 +4766,7 @@
       </p:grpSpPr>
       <p:sp>
         <p:nvSpPr>
-          <p:cNvPr id="2" name="Дата 1"/>
+          <p:cNvPr id="3" name="Дата 2"/>
           <p:cNvSpPr>
             <a:spLocks noGrp="1"/>
           </p:cNvSpPr>
@@ -4756,7 +4782,7 @@
             <a:fld id="{0C5FAAE0-429A-4789-8C99-ECF6322A717D}" type="datetime1">
               <a:rPr lang="ru-RU" smtClean="0"/>
               <a:pPr/>
-              <a:t>14.12.2019</a:t>
+              <a:t>15.12.2019</a:t>
             </a:fld>
             <a:endParaRPr lang="ru-RU"/>
           </a:p>
@@ -4764,7 +4790,7 @@
       </p:sp>
       <p:sp>
         <p:nvSpPr>
-          <p:cNvPr id="3" name="Нижний колонтитул 2"/>
+          <p:cNvPr id="4" name="Нижний колонтитул 3"/>
           <p:cNvSpPr>
             <a:spLocks noGrp="1"/>
           </p:cNvSpPr>
@@ -4793,7 +4819,7 @@
       </p:sp>
       <p:sp>
         <p:nvSpPr>
-          <p:cNvPr id="4" name="Номер слайда 3"/>
+          <p:cNvPr id="5" name="Номер слайда 4"/>
           <p:cNvSpPr>
             <a:spLocks noGrp="1"/>
           </p:cNvSpPr>
@@ -4810,6 +4836,149 @@
               <a:rPr lang="ru-RU" smtClean="0"/>
               <a:pPr/>
               <a:t>11</a:t>
+            </a:fld>
+            <a:endParaRPr lang="ru-RU"/>
+          </a:p>
+        </p:txBody>
+      </p:sp>
+      <p:sp>
+        <p:nvSpPr>
+          <p:cNvPr id="8" name="Заголовок 7"/>
+          <p:cNvSpPr>
+            <a:spLocks noGrp="1"/>
+          </p:cNvSpPr>
+          <p:nvPr>
+            <p:ph type="ctrTitle"/>
+          </p:nvPr>
+        </p:nvSpPr>
+        <p:spPr/>
+        <p:txBody>
+          <a:bodyPr>
+            <a:normAutofit/>
+          </a:bodyPr>
+          <a:lstStyle/>
+          <a:p>
+            <a:r>
+              <a:rPr lang="ru-RU" dirty="0"/>
+              <a:t>Результаты </a:t>
+            </a:r>
+            <a:r>
+              <a:rPr lang="ru-RU" dirty="0" smtClean="0"/>
+              <a:t>исследования</a:t>
+            </a:r>
+            <a:endParaRPr lang="ru-RU" dirty="0"/>
+          </a:p>
+        </p:txBody>
+      </p:sp>
+    </p:spTree>
+    <p:extLst>
+      <p:ext uri="{BB962C8B-B14F-4D97-AF65-F5344CB8AC3E}">
+        <p14:creationId xmlns:p14="http://schemas.microsoft.com/office/powerpoint/2010/main" val="3532196823"/>
+      </p:ext>
+    </p:extLst>
+  </p:cSld>
+  <p:clrMapOvr>
+    <a:masterClrMapping/>
+  </p:clrMapOvr>
+  <p:timing>
+    <p:tnLst>
+      <p:par>
+        <p:cTn id="1" dur="indefinite" restart="never" nodeType="tmRoot"/>
+      </p:par>
+    </p:tnLst>
+  </p:timing>
+</p:sld>
+</file>
+
+<file path=ppt/slides/slide12.xml><?xml version="1.0" encoding="utf-8"?>
+<p:sld xmlns:a="http://schemas.openxmlformats.org/drawingml/2006/main" xmlns:r="http://schemas.openxmlformats.org/officeDocument/2006/relationships" xmlns:p="http://schemas.openxmlformats.org/presentationml/2006/main">
+  <p:cSld>
+    <p:spTree>
+      <p:nvGrpSpPr>
+        <p:cNvPr id="1" name=""/>
+        <p:cNvGrpSpPr/>
+        <p:nvPr/>
+      </p:nvGrpSpPr>
+      <p:grpSpPr>
+        <a:xfrm>
+          <a:off x="0" y="0"/>
+          <a:ext cx="0" cy="0"/>
+          <a:chOff x="0" y="0"/>
+          <a:chExt cx="0" cy="0"/>
+        </a:xfrm>
+      </p:grpSpPr>
+      <p:sp>
+        <p:nvSpPr>
+          <p:cNvPr id="2" name="Дата 1"/>
+          <p:cNvSpPr>
+            <a:spLocks noGrp="1"/>
+          </p:cNvSpPr>
+          <p:nvPr>
+            <p:ph type="dt" sz="half" idx="10"/>
+          </p:nvPr>
+        </p:nvSpPr>
+        <p:spPr/>
+        <p:txBody>
+          <a:bodyPr/>
+          <a:lstStyle/>
+          <a:p>
+            <a:fld id="{0C5FAAE0-429A-4789-8C99-ECF6322A717D}" type="datetime1">
+              <a:rPr lang="ru-RU" smtClean="0"/>
+              <a:pPr/>
+              <a:t>15.12.2019</a:t>
+            </a:fld>
+            <a:endParaRPr lang="ru-RU"/>
+          </a:p>
+        </p:txBody>
+      </p:sp>
+      <p:sp>
+        <p:nvSpPr>
+          <p:cNvPr id="3" name="Нижний колонтитул 2"/>
+          <p:cNvSpPr>
+            <a:spLocks noGrp="1"/>
+          </p:cNvSpPr>
+          <p:nvPr>
+            <p:ph type="ftr" sz="quarter" idx="11"/>
+          </p:nvPr>
+        </p:nvSpPr>
+        <p:spPr/>
+        <p:txBody>
+          <a:bodyPr/>
+          <a:lstStyle/>
+          <a:p>
+            <a:r>
+              <a:rPr lang="ru-RU" smtClean="0"/>
+              <a:t>Университет Лобачевского</a:t>
+            </a:r>
+          </a:p>
+          <a:p>
+            <a:r>
+              <a:rPr lang="ru-RU" smtClean="0"/>
+              <a:t>Обработка изображений</a:t>
+            </a:r>
+            <a:endParaRPr lang="ru-RU" dirty="0"/>
+          </a:p>
+        </p:txBody>
+      </p:sp>
+      <p:sp>
+        <p:nvSpPr>
+          <p:cNvPr id="4" name="Номер слайда 3"/>
+          <p:cNvSpPr>
+            <a:spLocks noGrp="1"/>
+          </p:cNvSpPr>
+          <p:nvPr>
+            <p:ph type="sldNum" sz="quarter" idx="12"/>
+          </p:nvPr>
+        </p:nvSpPr>
+        <p:spPr/>
+        <p:txBody>
+          <a:bodyPr/>
+          <a:lstStyle/>
+          <a:p>
+            <a:fld id="{725C68B6-61C2-468F-89AB-4B9F7531AA68}" type="slidenum">
+              <a:rPr lang="ru-RU" smtClean="0"/>
+              <a:pPr/>
+              <a:t>12</a:t>
             </a:fld>
             <a:endParaRPr lang="ru-RU"/>
           </a:p>
@@ -4944,7 +5113,7 @@
             <a:fld id="{046447DE-9578-4211-B808-477F96AFC87D}" type="datetime1">
               <a:rPr lang="ru-RU" smtClean="0"/>
               <a:pPr/>
-              <a:t>14.12.2019</a:t>
+              <a:t>15.12.2019</a:t>
             </a:fld>
             <a:endParaRPr lang="ru-RU"/>
           </a:p>
@@ -5166,7 +5335,7 @@
             <a:fld id="{0C5FAAE0-429A-4789-8C99-ECF6322A717D}" type="datetime1">
               <a:rPr lang="ru-RU" smtClean="0"/>
               <a:pPr/>
-              <a:t>14.12.2019</a:t>
+              <a:t>15.12.2019</a:t>
             </a:fld>
             <a:endParaRPr lang="ru-RU"/>
           </a:p>
@@ -5303,7 +5472,7 @@
             <a:fld id="{0C5FAAE0-429A-4789-8C99-ECF6322A717D}" type="datetime1">
               <a:rPr lang="ru-RU" smtClean="0"/>
               <a:pPr/>
-              <a:t>14.12.2019</a:t>
+              <a:t>15.12.2019</a:t>
             </a:fld>
             <a:endParaRPr lang="ru-RU"/>
           </a:p>
@@ -5743,7 +5912,7 @@
             <a:fld id="{0C5FAAE0-429A-4789-8C99-ECF6322A717D}" type="datetime1">
               <a:rPr lang="ru-RU" smtClean="0"/>
               <a:pPr/>
-              <a:t>14.12.2019</a:t>
+              <a:t>15.12.2019</a:t>
             </a:fld>
             <a:endParaRPr lang="ru-RU"/>
           </a:p>
@@ -6130,7 +6299,60 @@
       </p:grpSpPr>
       <p:sp>
         <p:nvSpPr>
-          <p:cNvPr id="2" name="Дата 1"/>
+          <p:cNvPr id="2" name="Заголовок 1"/>
+          <p:cNvSpPr>
+            <a:spLocks noGrp="1"/>
+          </p:cNvSpPr>
+          <p:nvPr>
+            <p:ph type="title"/>
+          </p:nvPr>
+        </p:nvSpPr>
+        <p:spPr/>
+        <p:txBody>
+          <a:bodyPr>
+            <a:normAutofit fontScale="90000"/>
+          </a:bodyPr>
+          <a:lstStyle/>
+          <a:p>
+            <a:r>
+              <a:rPr lang="ru-RU" dirty="0" smtClean="0"/>
+              <a:t>Архитектура </a:t>
+            </a:r>
+            <a:r>
+              <a:rPr lang="en-US" dirty="0" smtClean="0"/>
+              <a:t>U-Net (</a:t>
+            </a:r>
+            <a:r>
+              <a:rPr lang="ru-RU" dirty="0" smtClean="0"/>
+              <a:t>ст. </a:t>
+            </a:r>
+            <a:r>
+              <a:rPr lang="en-US" dirty="0"/>
+              <a:t>Olaf </a:t>
+            </a:r>
+            <a:r>
+              <a:rPr lang="en-US" dirty="0" err="1"/>
+              <a:t>Ronneberger</a:t>
+            </a:r>
+            <a:r>
+              <a:rPr lang="en-US" dirty="0"/>
+              <a:t>, Philipp Fischer, and Thomas </a:t>
+            </a:r>
+            <a:r>
+              <a:rPr lang="en-US" dirty="0" err="1" smtClean="0"/>
+              <a:t>Brox</a:t>
+            </a:r>
+            <a:r>
+              <a:rPr lang="ru-RU" dirty="0" smtClean="0"/>
+              <a:t>, 18.05.2015)</a:t>
+            </a:r>
+            <a:endParaRPr lang="ru-RU" dirty="0"/>
+          </a:p>
+        </p:txBody>
+      </p:sp>
+      <p:sp>
+        <p:nvSpPr>
+          <p:cNvPr id="3" name="Дата 2"/>
           <p:cNvSpPr>
             <a:spLocks noGrp="1"/>
           </p:cNvSpPr>
@@ -6146,7 +6368,7 @@
             <a:fld id="{0C5FAAE0-429A-4789-8C99-ECF6322A717D}" type="datetime1">
               <a:rPr lang="ru-RU" smtClean="0"/>
               <a:pPr/>
-              <a:t>14.12.2019</a:t>
+              <a:t>15.12.2019</a:t>
             </a:fld>
             <a:endParaRPr lang="ru-RU"/>
           </a:p>
@@ -6154,7 +6376,7 @@
       </p:sp>
       <p:sp>
         <p:nvSpPr>
-          <p:cNvPr id="3" name="Нижний колонтитул 2"/>
+          <p:cNvPr id="4" name="Нижний колонтитул 3"/>
           <p:cNvSpPr>
             <a:spLocks noGrp="1"/>
           </p:cNvSpPr>
@@ -6183,7 +6405,7 @@
       </p:sp>
       <p:sp>
         <p:nvSpPr>
-          <p:cNvPr id="4" name="Номер слайда 3"/>
+          <p:cNvPr id="5" name="Номер слайда 4"/>
           <p:cNvSpPr>
             <a:spLocks noGrp="1"/>
           </p:cNvSpPr>
@@ -6205,255 +6427,83 @@
           </a:p>
         </p:txBody>
       </p:sp>
-      <p:sp>
-        <p:nvSpPr>
-          <p:cNvPr id="7" name="Объект 6"/>
-          <p:cNvSpPr>
-            <a:spLocks noGrp="1"/>
-          </p:cNvSpPr>
-          <p:nvPr>
-            <p:ph sz="quarter" idx="1"/>
-          </p:nvPr>
-        </p:nvSpPr>
-        <p:spPr>
-          <a:xfrm>
-            <a:off x="460248" y="548680"/>
-            <a:ext cx="8229600" cy="576064"/>
-          </a:xfrm>
-        </p:spPr>
-        <p:txBody>
-          <a:bodyPr>
-            <a:normAutofit/>
-          </a:bodyPr>
-          <a:lstStyle/>
-          <a:p>
-            <a:r>
-              <a:rPr lang="en-US" dirty="0" err="1" smtClean="0"/>
-              <a:t>ReLU</a:t>
-            </a:r>
-            <a:endParaRPr lang="ru-RU" dirty="0"/>
-          </a:p>
-        </p:txBody>
-      </p:sp>
-      <p:sp>
-        <p:nvSpPr>
-          <p:cNvPr id="6" name="Прямоугольник 5"/>
-          <p:cNvSpPr/>
-          <p:nvPr/>
-        </p:nvSpPr>
-        <p:spPr>
-          <a:xfrm>
-            <a:off x="460248" y="2348880"/>
-            <a:ext cx="8072192" cy="338554"/>
-          </a:xfrm>
-          <a:prstGeom prst="rect">
-            <a:avLst/>
-          </a:prstGeom>
-        </p:spPr>
-        <p:txBody>
-          <a:bodyPr wrap="square">
-            <a:spAutoFit/>
-          </a:bodyPr>
-          <a:lstStyle/>
-          <a:p>
-            <a:endParaRPr lang="ru-RU" sz="1600" dirty="0">
-              <a:solidFill>
-                <a:srgbClr val="222222"/>
-              </a:solidFill>
-              <a:latin typeface="Arial" panose="020B0604020202020204" pitchFamily="34" charset="0"/>
-            </a:endParaRPr>
-          </a:p>
-        </p:txBody>
-      </p:sp>
-      <p:sp>
-        <p:nvSpPr>
-          <p:cNvPr id="8" name="Прямоугольник 7"/>
-          <p:cNvSpPr/>
-          <p:nvPr/>
-        </p:nvSpPr>
-        <p:spPr>
-          <a:xfrm>
-            <a:off x="352236" y="1340768"/>
-            <a:ext cx="8288216" cy="1754326"/>
-          </a:xfrm>
-          <a:prstGeom prst="rect">
-            <a:avLst/>
-          </a:prstGeom>
-        </p:spPr>
-        <p:txBody>
-          <a:bodyPr wrap="square">
-            <a:spAutoFit/>
-          </a:bodyPr>
-          <a:lstStyle/>
-          <a:p>
-            <a:r>
-              <a:rPr lang="ru-RU" dirty="0">
-                <a:latin typeface="Open Sans"/>
-              </a:rPr>
-              <a:t>В последние годы большую популярность приобрела функция активации под названием «выпрямитель» (</a:t>
-            </a:r>
-            <a:r>
-              <a:rPr lang="ru-RU" dirty="0" err="1">
-                <a:latin typeface="Open Sans"/>
-              </a:rPr>
-              <a:t>rectifier</a:t>
-            </a:r>
-            <a:r>
-              <a:rPr lang="ru-RU" dirty="0">
-                <a:latin typeface="Open Sans"/>
-              </a:rPr>
-              <a:t>, по аналогии с однополупериодным выпрямителем в электротехнике). Нейроны с данной функцией активации называются </a:t>
-            </a:r>
-            <a:r>
-              <a:rPr lang="ru-RU" dirty="0" err="1">
-                <a:latin typeface="Open Sans"/>
-              </a:rPr>
-              <a:t>ReLU</a:t>
-            </a:r>
-            <a:r>
-              <a:rPr lang="ru-RU" dirty="0">
-                <a:latin typeface="Open Sans"/>
-              </a:rPr>
-              <a:t> (</a:t>
-            </a:r>
-            <a:r>
-              <a:rPr lang="ru-RU" dirty="0" err="1">
-                <a:latin typeface="Open Sans"/>
-              </a:rPr>
-              <a:t>rectified</a:t>
-            </a:r>
-            <a:r>
-              <a:rPr lang="ru-RU" dirty="0">
-                <a:latin typeface="Open Sans"/>
-              </a:rPr>
-              <a:t> </a:t>
-            </a:r>
-            <a:r>
-              <a:rPr lang="ru-RU" dirty="0" err="1">
-                <a:latin typeface="Open Sans"/>
-              </a:rPr>
-              <a:t>linear</a:t>
-            </a:r>
-            <a:r>
-              <a:rPr lang="ru-RU" dirty="0">
-                <a:latin typeface="Open Sans"/>
-              </a:rPr>
-              <a:t> </a:t>
-            </a:r>
-            <a:r>
-              <a:rPr lang="ru-RU" dirty="0" err="1">
-                <a:latin typeface="Open Sans"/>
-              </a:rPr>
-              <a:t>unit</a:t>
-            </a:r>
-            <a:r>
-              <a:rPr lang="ru-RU" dirty="0">
-                <a:latin typeface="Open Sans"/>
-              </a:rPr>
-              <a:t>). </a:t>
-            </a:r>
-            <a:endParaRPr lang="en-US" dirty="0" smtClean="0">
-              <a:latin typeface="Open Sans"/>
-            </a:endParaRPr>
-          </a:p>
-          <a:p>
-            <a:r>
-              <a:rPr lang="ru-RU" dirty="0" err="1" smtClean="0">
-                <a:latin typeface="Open Sans"/>
-              </a:rPr>
-              <a:t>ReLU</a:t>
-            </a:r>
-            <a:r>
-              <a:rPr lang="ru-RU" dirty="0" smtClean="0">
-                <a:latin typeface="Open Sans"/>
-              </a:rPr>
-              <a:t> </a:t>
-            </a:r>
-            <a:r>
-              <a:rPr lang="ru-RU" dirty="0">
-                <a:latin typeface="Open Sans"/>
-              </a:rPr>
-              <a:t>имеет следующую формулу </a:t>
-            </a:r>
-            <a:r>
-              <a:rPr lang="ru-RU" i="1" dirty="0">
-                <a:latin typeface="Open Sans"/>
-              </a:rPr>
-              <a:t>f(x) = </a:t>
-            </a:r>
-            <a:r>
-              <a:rPr lang="ru-RU" i="1" dirty="0" err="1">
-                <a:latin typeface="Open Sans"/>
-              </a:rPr>
-              <a:t>max</a:t>
-            </a:r>
-            <a:r>
-              <a:rPr lang="ru-RU" i="1" dirty="0">
-                <a:latin typeface="Open Sans"/>
-              </a:rPr>
-              <a:t>(0, x)</a:t>
-            </a:r>
-            <a:r>
-              <a:rPr lang="ru-RU" dirty="0">
-                <a:latin typeface="Open Sans"/>
-              </a:rPr>
-              <a:t> и реализует простой пороговый переход в нуле.</a:t>
-            </a:r>
-            <a:endParaRPr lang="ru-RU" dirty="0"/>
-          </a:p>
-        </p:txBody>
-      </p:sp>
       <p:pic>
         <p:nvPicPr>
-          <p:cNvPr id="10" name="Рисунок 9"/>
+          <p:cNvPr id="8" name="Рисунок 7"/>
           <p:cNvPicPr>
-            <a:picLocks noChangeAspect="1"/>
+            <a:picLocks noGrp="1" noChangeAspect="1"/>
           </p:cNvPicPr>
-          <p:nvPr/>
+          <p:nvPr>
+            <p:ph type="pic" sz="quarter" idx="13"/>
+          </p:nvPr>
         </p:nvPicPr>
         <p:blipFill>
           <a:blip r:embed="rId2"/>
+          <a:srcRect t="5680" b="5680"/>
           <a:stretch>
             <a:fillRect/>
           </a:stretch>
         </p:blipFill>
         <p:spPr>
           <a:xfrm>
-            <a:off x="1187624" y="3573016"/>
-            <a:ext cx="6142159" cy="2012601"/>
+            <a:off x="457200" y="2132855"/>
+            <a:ext cx="8258175" cy="4082207"/>
           </a:xfrm>
           <a:prstGeom prst="rect">
             <a:avLst/>
           </a:prstGeom>
-          <a:ln>
-            <a:noFill/>
-          </a:ln>
-          <a:effectLst>
-            <a:outerShdw blurRad="292100" dist="139700" dir="2700000" algn="tl" rotWithShape="0">
-              <a:srgbClr val="333333">
-                <a:alpha val="65000"/>
-              </a:srgbClr>
-            </a:outerShdw>
-          </a:effectLst>
         </p:spPr>
       </p:pic>
+      <p:sp>
+        <p:nvSpPr>
+          <p:cNvPr id="9" name="Прямоугольник 8"/>
+          <p:cNvSpPr/>
+          <p:nvPr/>
+        </p:nvSpPr>
+        <p:spPr>
+          <a:xfrm>
+            <a:off x="457200" y="1209525"/>
+            <a:ext cx="8003232" cy="923330"/>
+          </a:xfrm>
+          <a:prstGeom prst="rect">
+            <a:avLst/>
+          </a:prstGeom>
+        </p:spPr>
+        <p:txBody>
+          <a:bodyPr wrap="square">
+            <a:spAutoFit/>
+          </a:bodyPr>
+          <a:lstStyle/>
+          <a:p>
+            <a:r>
+              <a:rPr lang="en-US" dirty="0" smtClean="0"/>
+              <a:t>Conclusion</a:t>
+            </a:r>
+            <a:endParaRPr lang="ru-RU" dirty="0" smtClean="0"/>
+          </a:p>
+          <a:p>
+            <a:r>
+              <a:rPr lang="en-US" dirty="0" smtClean="0"/>
+              <a:t>The </a:t>
+            </a:r>
+            <a:r>
+              <a:rPr lang="en-US" dirty="0"/>
+              <a:t>u-net architecture achieves very good performance on very different biomedical segmentation applications.</a:t>
+            </a:r>
+            <a:endParaRPr lang="ru-RU" dirty="0"/>
+          </a:p>
+        </p:txBody>
+      </p:sp>
     </p:spTree>
     <p:extLst>
       <p:ext uri="{BB962C8B-B14F-4D97-AF65-F5344CB8AC3E}">
-        <p14:creationId xmlns:p14="http://schemas.microsoft.com/office/powerpoint/2010/main" val="1215895455"/>
+        <p14:creationId xmlns:p14="http://schemas.microsoft.com/office/powerpoint/2010/main" val="868770540"/>
       </p:ext>
     </p:extLst>
   </p:cSld>
   <p:clrMapOvr>
     <a:masterClrMapping/>
   </p:clrMapOvr>
-  <p:timing>
-    <p:tnLst>
-      <p:par>
-        <p:cTn id="1" dur="indefinite" restart="never" nodeType="tmRoot"/>
-      </p:par>
-    </p:tnLst>
-  </p:timing>
 </p:sld>
 </file>
 
@@ -6492,7 +6542,7 @@
             <a:fld id="{0C5FAAE0-429A-4789-8C99-ECF6322A717D}" type="datetime1">
               <a:rPr lang="ru-RU" smtClean="0"/>
               <a:pPr/>
-              <a:t>14.12.2019</a:t>
+              <a:t>15.12.2019</a:t>
             </a:fld>
             <a:endParaRPr lang="ru-RU"/>
           </a:p>
@@ -6563,8 +6613,8 @@
         </p:nvSpPr>
         <p:spPr>
           <a:xfrm>
-            <a:off x="460248" y="404664"/>
-            <a:ext cx="8229600" cy="769640"/>
+            <a:off x="460248" y="548680"/>
+            <a:ext cx="8229600" cy="576064"/>
           </a:xfrm>
         </p:spPr>
         <p:txBody>
@@ -6574,24 +6624,184 @@
           <a:lstStyle/>
           <a:p>
             <a:r>
-              <a:rPr lang="ru-RU" dirty="0"/>
-              <a:t>Создание </a:t>
-            </a:r>
-            <a:r>
-              <a:rPr lang="en-US" dirty="0" smtClean="0"/>
-              <a:t>U-Net </a:t>
-            </a:r>
-            <a:r>
-              <a:rPr lang="ru-RU" dirty="0" smtClean="0"/>
-              <a:t>модели</a:t>
-            </a:r>
-            <a:endParaRPr lang="en-US" dirty="0"/>
+              <a:rPr lang="en-US" dirty="0" err="1" smtClean="0"/>
+              <a:t>ReLU</a:t>
+            </a:r>
+            <a:endParaRPr lang="ru-RU" dirty="0"/>
+          </a:p>
+        </p:txBody>
+      </p:sp>
+      <p:sp>
+        <p:nvSpPr>
+          <p:cNvPr id="6" name="Прямоугольник 5"/>
+          <p:cNvSpPr/>
+          <p:nvPr/>
+        </p:nvSpPr>
+        <p:spPr>
+          <a:xfrm>
+            <a:off x="460248" y="2348880"/>
+            <a:ext cx="8072192" cy="338554"/>
+          </a:xfrm>
+          <a:prstGeom prst="rect">
+            <a:avLst/>
+          </a:prstGeom>
+        </p:spPr>
+        <p:txBody>
+          <a:bodyPr wrap="square">
+            <a:spAutoFit/>
+          </a:bodyPr>
+          <a:lstStyle/>
+          <a:p>
+            <a:endParaRPr lang="ru-RU" sz="1600" dirty="0">
+              <a:solidFill>
+                <a:srgbClr val="222222"/>
+              </a:solidFill>
+              <a:latin typeface="Arial" panose="020B0604020202020204" pitchFamily="34" charset="0"/>
+            </a:endParaRPr>
+          </a:p>
+        </p:txBody>
+      </p:sp>
+      <p:sp>
+        <p:nvSpPr>
+          <p:cNvPr id="8" name="Прямоугольник 7"/>
+          <p:cNvSpPr/>
+          <p:nvPr/>
+        </p:nvSpPr>
+        <p:spPr>
+          <a:xfrm>
+            <a:off x="352236" y="1340768"/>
+            <a:ext cx="8288216" cy="1754326"/>
+          </a:xfrm>
+          <a:prstGeom prst="rect">
+            <a:avLst/>
+          </a:prstGeom>
+        </p:spPr>
+        <p:txBody>
+          <a:bodyPr wrap="square">
+            <a:spAutoFit/>
+          </a:bodyPr>
+          <a:lstStyle/>
+          <a:p>
+            <a:r>
+              <a:rPr lang="ru-RU" dirty="0">
+                <a:latin typeface="Open Sans"/>
+              </a:rPr>
+              <a:t>В последние годы большую популярность приобрела функция активации под названием «выпрямитель» (</a:t>
+            </a:r>
+            <a:r>
+              <a:rPr lang="ru-RU" dirty="0" err="1">
+                <a:latin typeface="Open Sans"/>
+              </a:rPr>
+              <a:t>rectifier</a:t>
+            </a:r>
+            <a:r>
+              <a:rPr lang="ru-RU" dirty="0">
+                <a:latin typeface="Open Sans"/>
+              </a:rPr>
+              <a:t>, по аналогии с однополупериодным выпрямителем в электротехнике). Нейроны с данной функцией активации называются </a:t>
+            </a:r>
+            <a:r>
+              <a:rPr lang="ru-RU" dirty="0" err="1">
+                <a:latin typeface="Open Sans"/>
+              </a:rPr>
+              <a:t>ReLU</a:t>
+            </a:r>
+            <a:r>
+              <a:rPr lang="ru-RU" dirty="0">
+                <a:latin typeface="Open Sans"/>
+              </a:rPr>
+              <a:t> (</a:t>
+            </a:r>
+            <a:r>
+              <a:rPr lang="ru-RU" dirty="0" err="1">
+                <a:latin typeface="Open Sans"/>
+              </a:rPr>
+              <a:t>rectified</a:t>
+            </a:r>
+            <a:r>
+              <a:rPr lang="ru-RU" dirty="0">
+                <a:latin typeface="Open Sans"/>
+              </a:rPr>
+              <a:t> </a:t>
+            </a:r>
+            <a:r>
+              <a:rPr lang="ru-RU" dirty="0" err="1">
+                <a:latin typeface="Open Sans"/>
+              </a:rPr>
+              <a:t>linear</a:t>
+            </a:r>
+            <a:r>
+              <a:rPr lang="ru-RU" dirty="0">
+                <a:latin typeface="Open Sans"/>
+              </a:rPr>
+              <a:t> </a:t>
+            </a:r>
+            <a:r>
+              <a:rPr lang="ru-RU" dirty="0" err="1">
+                <a:latin typeface="Open Sans"/>
+              </a:rPr>
+              <a:t>unit</a:t>
+            </a:r>
+            <a:r>
+              <a:rPr lang="ru-RU" dirty="0">
+                <a:latin typeface="Open Sans"/>
+              </a:rPr>
+              <a:t>). </a:t>
+            </a:r>
+            <a:endParaRPr lang="en-US" dirty="0" smtClean="0">
+              <a:latin typeface="Open Sans"/>
+            </a:endParaRPr>
+          </a:p>
+          <a:p>
+            <a:r>
+              <a:rPr lang="ru-RU" dirty="0" err="1" smtClean="0">
+                <a:latin typeface="Open Sans"/>
+              </a:rPr>
+              <a:t>ReLU</a:t>
+            </a:r>
+            <a:r>
+              <a:rPr lang="ru-RU" dirty="0" smtClean="0">
+                <a:latin typeface="Open Sans"/>
+              </a:rPr>
+              <a:t> </a:t>
+            </a:r>
+            <a:r>
+              <a:rPr lang="ru-RU" dirty="0">
+                <a:latin typeface="Open Sans"/>
+              </a:rPr>
+              <a:t>имеет следующую формулу </a:t>
+            </a:r>
+            <a:r>
+              <a:rPr lang="ru-RU" i="1" dirty="0">
+                <a:latin typeface="Open Sans"/>
+              </a:rPr>
+              <a:t>f(x) = </a:t>
+            </a:r>
+            <a:r>
+              <a:rPr lang="ru-RU" i="1" dirty="0" err="1">
+                <a:latin typeface="Open Sans"/>
+              </a:rPr>
+              <a:t>max</a:t>
+            </a:r>
+            <a:r>
+              <a:rPr lang="ru-RU" i="1" dirty="0">
+                <a:latin typeface="Open Sans"/>
+              </a:rPr>
+              <a:t>(0, x)</a:t>
+            </a:r>
+            <a:r>
+              <a:rPr lang="ru-RU" dirty="0">
+                <a:latin typeface="Open Sans"/>
+              </a:rPr>
+              <a:t> и реализует простой пороговый переход в нуле.</a:t>
+            </a:r>
+            <a:endParaRPr lang="ru-RU" dirty="0"/>
           </a:p>
         </p:txBody>
       </p:sp>
       <p:pic>
         <p:nvPicPr>
-          <p:cNvPr id="5" name="Рисунок 4"/>
+          <p:cNvPr id="10" name="Рисунок 9"/>
           <p:cNvPicPr>
             <a:picLocks noChangeAspect="1"/>
           </p:cNvPicPr>
@@ -6605,18 +6815,28 @@
         </p:blipFill>
         <p:spPr>
           <a:xfrm>
-            <a:off x="562884" y="1268760"/>
-            <a:ext cx="5319515" cy="4838422"/>
+            <a:off x="1187624" y="3573016"/>
+            <a:ext cx="6142159" cy="2012601"/>
           </a:xfrm>
           <a:prstGeom prst="rect">
             <a:avLst/>
           </a:prstGeom>
+          <a:ln>
+            <a:noFill/>
+          </a:ln>
+          <a:effectLst>
+            <a:outerShdw blurRad="292100" dist="139700" dir="2700000" algn="tl" rotWithShape="0">
+              <a:srgbClr val="333333">
+                <a:alpha val="65000"/>
+              </a:srgbClr>
+            </a:outerShdw>
+          </a:effectLst>
         </p:spPr>
       </p:pic>
     </p:spTree>
     <p:extLst>
       <p:ext uri="{BB962C8B-B14F-4D97-AF65-F5344CB8AC3E}">
-        <p14:creationId xmlns:p14="http://schemas.microsoft.com/office/powerpoint/2010/main" val="1266180348"/>
+        <p14:creationId xmlns:p14="http://schemas.microsoft.com/office/powerpoint/2010/main" val="1215895455"/>
       </p:ext>
     </p:extLst>
   </p:cSld>
@@ -6668,7 +6888,7 @@
             <a:fld id="{0C5FAAE0-429A-4789-8C99-ECF6322A717D}" type="datetime1">
               <a:rPr lang="ru-RU" smtClean="0"/>
               <a:pPr/>
-              <a:t>14.12.2019</a:t>
+              <a:t>15.12.2019</a:t>
             </a:fld>
             <a:endParaRPr lang="ru-RU"/>
           </a:p>
@@ -6767,7 +6987,7 @@
       </p:sp>
       <p:pic>
         <p:nvPicPr>
-          <p:cNvPr id="8" name="Рисунок 7"/>
+          <p:cNvPr id="5" name="Рисунок 4"/>
           <p:cNvPicPr>
             <a:picLocks noChangeAspect="1"/>
           </p:cNvPicPr>
@@ -6781,32 +7001,8 @@
         </p:blipFill>
         <p:spPr>
           <a:xfrm>
-            <a:off x="472968" y="1340768"/>
-            <a:ext cx="4241760" cy="4600459"/>
-          </a:xfrm>
-          <a:prstGeom prst="rect">
-            <a:avLst/>
-          </a:prstGeom>
-        </p:spPr>
-      </p:pic>
-      <p:pic>
-        <p:nvPicPr>
-          <p:cNvPr id="10" name="Рисунок 9"/>
-          <p:cNvPicPr>
-            <a:picLocks noChangeAspect="1"/>
-          </p:cNvPicPr>
-          <p:nvPr/>
-        </p:nvPicPr>
-        <p:blipFill>
-          <a:blip r:embed="rId3"/>
-          <a:stretch>
-            <a:fillRect/>
-          </a:stretch>
-        </p:blipFill>
-        <p:spPr>
-          <a:xfrm>
-            <a:off x="4742308" y="1484784"/>
-            <a:ext cx="4068750" cy="2966214"/>
+            <a:off x="562884" y="1268760"/>
+            <a:ext cx="5319515" cy="4838422"/>
           </a:xfrm>
           <a:prstGeom prst="rect">
             <a:avLst/>
@@ -6816,7 +7012,7 @@
     </p:spTree>
     <p:extLst>
       <p:ext uri="{BB962C8B-B14F-4D97-AF65-F5344CB8AC3E}">
-        <p14:creationId xmlns:p14="http://schemas.microsoft.com/office/powerpoint/2010/main" val="867444723"/>
+        <p14:creationId xmlns:p14="http://schemas.microsoft.com/office/powerpoint/2010/main" val="1266180348"/>
       </p:ext>
     </p:extLst>
   </p:cSld>
@@ -6868,7 +7064,7 @@
             <a:fld id="{0C5FAAE0-429A-4789-8C99-ECF6322A717D}" type="datetime1">
               <a:rPr lang="ru-RU" smtClean="0"/>
               <a:pPr/>
-              <a:t>14.12.2019</a:t>
+              <a:t>15.12.2019</a:t>
             </a:fld>
             <a:endParaRPr lang="ru-RU"/>
           </a:p>
@@ -6939,7 +7135,7 @@
         </p:nvSpPr>
         <p:spPr>
           <a:xfrm>
-            <a:off x="460248" y="332656"/>
+            <a:off x="460248" y="404664"/>
             <a:ext cx="8229600" cy="769640"/>
           </a:xfrm>
         </p:spPr>
@@ -6950,8 +7146,16 @@
           <a:lstStyle/>
           <a:p>
             <a:r>
+              <a:rPr lang="ru-RU" dirty="0"/>
+              <a:t>Создание </a:t>
+            </a:r>
+            <a:r>
+              <a:rPr lang="en-US" dirty="0" smtClean="0"/>
+              <a:t>U-Net </a:t>
+            </a:r>
+            <a:r>
               <a:rPr lang="ru-RU" dirty="0" smtClean="0"/>
-              <a:t>Обучение</a:t>
+              <a:t>модели</a:t>
             </a:r>
             <a:endParaRPr lang="en-US" dirty="0"/>
           </a:p>
@@ -6959,7 +7163,7 @@
       </p:sp>
       <p:pic>
         <p:nvPicPr>
-          <p:cNvPr id="5" name="Рисунок 4"/>
+          <p:cNvPr id="8" name="Рисунок 7"/>
           <p:cNvPicPr>
             <a:picLocks noChangeAspect="1"/>
           </p:cNvPicPr>
@@ -6973,8 +7177,32 @@
         </p:blipFill>
         <p:spPr>
           <a:xfrm>
-            <a:off x="1331640" y="2060848"/>
-            <a:ext cx="5886450" cy="3067050"/>
+            <a:off x="472968" y="1340768"/>
+            <a:ext cx="4241760" cy="4600459"/>
+          </a:xfrm>
+          <a:prstGeom prst="rect">
+            <a:avLst/>
+          </a:prstGeom>
+        </p:spPr>
+      </p:pic>
+      <p:pic>
+        <p:nvPicPr>
+          <p:cNvPr id="10" name="Рисунок 9"/>
+          <p:cNvPicPr>
+            <a:picLocks noChangeAspect="1"/>
+          </p:cNvPicPr>
+          <p:nvPr/>
+        </p:nvPicPr>
+        <p:blipFill>
+          <a:blip r:embed="rId3"/>
+          <a:stretch>
+            <a:fillRect/>
+          </a:stretch>
+        </p:blipFill>
+        <p:spPr>
+          <a:xfrm>
+            <a:off x="4742308" y="1484784"/>
+            <a:ext cx="4068750" cy="2966214"/>
           </a:xfrm>
           <a:prstGeom prst="rect">
             <a:avLst/>
@@ -6984,7 +7212,7 @@
     </p:spTree>
     <p:extLst>
       <p:ext uri="{BB962C8B-B14F-4D97-AF65-F5344CB8AC3E}">
-        <p14:creationId xmlns:p14="http://schemas.microsoft.com/office/powerpoint/2010/main" val="2142908625"/>
+        <p14:creationId xmlns:p14="http://schemas.microsoft.com/office/powerpoint/2010/main" val="867444723"/>
       </p:ext>
     </p:extLst>
   </p:cSld>
